--- a/Group32_ProjectPresentation.pptx
+++ b/Group32_ProjectPresentation.pptx
@@ -12,7 +12,9 @@
     <p:sldId id="260" r:id="rId6"/>
     <p:sldId id="258" r:id="rId7"/>
     <p:sldId id="263" r:id="rId8"/>
-    <p:sldId id="257" r:id="rId9"/>
+    <p:sldId id="264" r:id="rId9"/>
+    <p:sldId id="265" r:id="rId10"/>
+    <p:sldId id="257" r:id="rId11"/>
   </p:sldIdLst>
   <p:sldSz cx="9144000" cy="6858000" type="screen4x3"/>
   <p:notesSz cx="6858000" cy="9144000"/>
@@ -302,7 +304,8 @@
           <a:p>
             <a:fld id="{E521C443-0701-405E-A32A-ABE355D480D0}" type="datetimeFigureOut">
               <a:rPr lang="en-US" smtClean="0"/>
-              <a:t>16-04-03</a:t>
+              <a:pPr/>
+              <a:t>4/3/2016</a:t>
             </a:fld>
             <a:endParaRPr lang="en-US"/>
           </a:p>
@@ -344,7 +347,7 @@
           <a:p>
             <a:fld id="{2AA957AF-53C0-420B-9C2D-77DB1416566C}" type="slidenum">
               <a:rPr kumimoji="0" lang="en-US" smtClean="0"/>
-              <a:pPr eaLnBrk="1" latinLnBrk="0" hangingPunct="1"/>
+              <a:pPr/>
               <a:t>‹#›</a:t>
             </a:fld>
             <a:endParaRPr kumimoji="0" lang="en-US"/>
@@ -503,7 +506,8 @@
           <a:p>
             <a:fld id="{E521C443-0701-405E-A32A-ABE355D480D0}" type="datetimeFigureOut">
               <a:rPr lang="en-US" smtClean="0"/>
-              <a:t>16-04-03</a:t>
+              <a:pPr/>
+              <a:t>4/3/2016</a:t>
             </a:fld>
             <a:endParaRPr lang="en-US"/>
           </a:p>
@@ -545,6 +549,7 @@
           <a:p>
             <a:fld id="{678A61CB-3804-4B71-865C-CE7617CFF64B}" type="slidenum">
               <a:rPr lang="en-US" smtClean="0"/>
+              <a:pPr/>
               <a:t>‹#›</a:t>
             </a:fld>
             <a:endParaRPr lang="en-US"/>
@@ -678,7 +683,8 @@
           <a:p>
             <a:fld id="{E521C443-0701-405E-A32A-ABE355D480D0}" type="datetimeFigureOut">
               <a:rPr lang="en-US" smtClean="0"/>
-              <a:t>16-04-03</a:t>
+              <a:pPr/>
+              <a:t>4/3/2016</a:t>
             </a:fld>
             <a:endParaRPr lang="en-US"/>
           </a:p>
@@ -720,6 +726,7 @@
           <a:p>
             <a:fld id="{678A61CB-3804-4B71-865C-CE7617CFF64B}" type="slidenum">
               <a:rPr lang="en-US" smtClean="0"/>
+              <a:pPr/>
               <a:t>‹#›</a:t>
             </a:fld>
             <a:endParaRPr lang="en-US"/>
@@ -843,7 +850,8 @@
           <a:p>
             <a:fld id="{E521C443-0701-405E-A32A-ABE355D480D0}" type="datetimeFigureOut">
               <a:rPr lang="en-US" smtClean="0"/>
-              <a:t>16-04-03</a:t>
+              <a:pPr/>
+              <a:t>4/3/2016</a:t>
             </a:fld>
             <a:endParaRPr lang="en-US"/>
           </a:p>
@@ -885,6 +893,7 @@
           <a:p>
             <a:fld id="{678A61CB-3804-4B71-865C-CE7617CFF64B}" type="slidenum">
               <a:rPr lang="en-US" smtClean="0"/>
+              <a:pPr/>
               <a:t>‹#›</a:t>
             </a:fld>
             <a:endParaRPr lang="en-US"/>
@@ -1091,7 +1100,8 @@
           <a:p>
             <a:fld id="{E521C443-0701-405E-A32A-ABE355D480D0}" type="datetimeFigureOut">
               <a:rPr lang="en-US" smtClean="0"/>
-              <a:t>16-04-03</a:t>
+              <a:pPr/>
+              <a:t>4/3/2016</a:t>
             </a:fld>
             <a:endParaRPr lang="en-US"/>
           </a:p>
@@ -1133,6 +1143,7 @@
           <a:p>
             <a:fld id="{57AF16DE-A0D5-4438-950F-5B1E159C2C28}" type="slidenum">
               <a:rPr lang="en-US" smtClean="0"/>
+              <a:pPr/>
               <a:t>‹#›</a:t>
             </a:fld>
             <a:endParaRPr lang="en-US"/>
@@ -1409,7 +1420,8 @@
           <a:p>
             <a:fld id="{E521C443-0701-405E-A32A-ABE355D480D0}" type="datetimeFigureOut">
               <a:rPr lang="en-US" smtClean="0"/>
-              <a:t>16-04-03</a:t>
+              <a:pPr/>
+              <a:t>4/3/2016</a:t>
             </a:fld>
             <a:endParaRPr lang="en-US"/>
           </a:p>
@@ -1451,6 +1463,7 @@
           <a:p>
             <a:fld id="{678A61CB-3804-4B71-865C-CE7617CFF64B}" type="slidenum">
               <a:rPr lang="en-US" smtClean="0"/>
+              <a:pPr/>
               <a:t>‹#›</a:t>
             </a:fld>
             <a:endParaRPr lang="en-US"/>
@@ -1875,7 +1888,8 @@
           <a:p>
             <a:fld id="{E521C443-0701-405E-A32A-ABE355D480D0}" type="datetimeFigureOut">
               <a:rPr lang="en-US" smtClean="0"/>
-              <a:t>16-04-03</a:t>
+              <a:pPr/>
+              <a:t>4/3/2016</a:t>
             </a:fld>
             <a:endParaRPr lang="en-US"/>
           </a:p>
@@ -1917,6 +1931,7 @@
           <a:p>
             <a:fld id="{678A61CB-3804-4B71-865C-CE7617CFF64B}" type="slidenum">
               <a:rPr lang="en-US" smtClean="0"/>
+              <a:pPr/>
               <a:t>‹#›</a:t>
             </a:fld>
             <a:endParaRPr lang="en-US"/>
@@ -2023,7 +2038,8 @@
           <a:p>
             <a:fld id="{E521C443-0701-405E-A32A-ABE355D480D0}" type="datetimeFigureOut">
               <a:rPr lang="en-US" smtClean="0"/>
-              <a:t>16-04-03</a:t>
+              <a:pPr/>
+              <a:t>4/3/2016</a:t>
             </a:fld>
             <a:endParaRPr lang="en-US"/>
           </a:p>
@@ -2065,6 +2081,7 @@
           <a:p>
             <a:fld id="{678A61CB-3804-4B71-865C-CE7617CFF64B}" type="slidenum">
               <a:rPr lang="en-US" smtClean="0"/>
+              <a:pPr/>
               <a:t>‹#›</a:t>
             </a:fld>
             <a:endParaRPr lang="en-US"/>
@@ -2113,7 +2130,8 @@
           <a:p>
             <a:fld id="{E521C443-0701-405E-A32A-ABE355D480D0}" type="datetimeFigureOut">
               <a:rPr lang="en-US" smtClean="0"/>
-              <a:t>16-04-03</a:t>
+              <a:pPr/>
+              <a:t>4/3/2016</a:t>
             </a:fld>
             <a:endParaRPr lang="en-US"/>
           </a:p>
@@ -2155,6 +2173,7 @@
           <a:p>
             <a:fld id="{678A61CB-3804-4B71-865C-CE7617CFF64B}" type="slidenum">
               <a:rPr lang="en-US" smtClean="0"/>
+              <a:pPr/>
               <a:t>‹#›</a:t>
             </a:fld>
             <a:endParaRPr lang="en-US"/>
@@ -2387,7 +2406,8 @@
           <a:p>
             <a:fld id="{E521C443-0701-405E-A32A-ABE355D480D0}" type="datetimeFigureOut">
               <a:rPr lang="en-US" smtClean="0"/>
-              <a:t>16-04-03</a:t>
+              <a:pPr/>
+              <a:t>4/3/2016</a:t>
             </a:fld>
             <a:endParaRPr lang="en-US"/>
           </a:p>
@@ -2693,7 +2713,8 @@
           <a:p>
             <a:fld id="{E521C443-0701-405E-A32A-ABE355D480D0}" type="datetimeFigureOut">
               <a:rPr lang="en-US" smtClean="0"/>
-              <a:t>16-04-03</a:t>
+              <a:pPr/>
+              <a:t>4/3/2016</a:t>
             </a:fld>
             <a:endParaRPr lang="en-US"/>
           </a:p>
@@ -2735,6 +2756,7 @@
           <a:p>
             <a:fld id="{678A61CB-3804-4B71-865C-CE7617CFF64B}" type="slidenum">
               <a:rPr lang="en-US" smtClean="0"/>
+              <a:pPr/>
               <a:t>‹#›</a:t>
             </a:fld>
             <a:endParaRPr lang="en-US"/>
@@ -2991,7 +3013,8 @@
           <a:p>
             <a:fld id="{E521C443-0701-405E-A32A-ABE355D480D0}" type="datetimeFigureOut">
               <a:rPr lang="en-US" smtClean="0"/>
-              <a:t>16-04-03</a:t>
+              <a:pPr/>
+              <a:t>4/3/2016</a:t>
             </a:fld>
             <a:endParaRPr lang="en-US"/>
           </a:p>
@@ -3065,6 +3088,7 @@
           <a:p>
             <a:fld id="{678A61CB-3804-4B71-865C-CE7617CFF64B}" type="slidenum">
               <a:rPr lang="en-US" smtClean="0"/>
+              <a:pPr/>
               <a:t>‹#›</a:t>
             </a:fld>
             <a:endParaRPr lang="en-US"/>
@@ -3401,13 +3425,17 @@
         <p:spPr/>
         <p:txBody>
           <a:bodyPr>
-            <a:normAutofit fontScale="90000"/>
+            <a:normAutofit/>
           </a:bodyPr>
           <a:lstStyle/>
           <a:p>
             <a:r>
               <a:rPr lang="en-US" dirty="0" smtClean="0"/>
-              <a:t>Career Location Compensation Analysis Tool</a:t>
+              <a:t>Compensation </a:t>
+            </a:r>
+            <a:r>
+              <a:rPr lang="en-US" dirty="0" smtClean="0"/>
+              <a:t>Analysis Tool</a:t>
             </a:r>
             <a:endParaRPr lang="en-US" dirty="0"/>
           </a:p>
@@ -3432,13 +3460,8 @@
           <a:p>
             <a:r>
               <a:rPr lang="en-US" dirty="0" smtClean="0"/>
-              <a:t>Steven </a:t>
-            </a:r>
-            <a:r>
-              <a:rPr lang="en-US" dirty="0" smtClean="0"/>
-              <a:t>Palmer &amp; Ali Reda </a:t>
-            </a:r>
-            <a:endParaRPr lang="en-US" dirty="0" smtClean="0"/>
+              <a:t>Steven Palmer &amp; Ali Reda </a:t>
+            </a:r>
           </a:p>
           <a:p>
             <a:r>
@@ -3450,6 +3473,61 @@
             <a:r>
               <a:rPr lang="en-US" dirty="0" smtClean="0"/>
               <a:t>L04 GROUP 32</a:t>
+            </a:r>
+            <a:endParaRPr lang="en-US" dirty="0"/>
+          </a:p>
+        </p:txBody>
+      </p:sp>
+    </p:spTree>
+  </p:cSld>
+  <p:clrMapOvr>
+    <a:masterClrMapping/>
+  </p:clrMapOvr>
+</p:sld>
+</file>
+
+<file path=ppt/slides/slide10.xml><?xml version="1.0" encoding="utf-8"?>
+<p:sld xmlns:a="http://schemas.openxmlformats.org/drawingml/2006/main" xmlns:r="http://schemas.openxmlformats.org/officeDocument/2006/relationships" xmlns:p="http://schemas.openxmlformats.org/presentationml/2006/main">
+  <p:cSld>
+    <p:spTree>
+      <p:nvGrpSpPr>
+        <p:cNvPr id="1" name=""/>
+        <p:cNvGrpSpPr/>
+        <p:nvPr/>
+      </p:nvGrpSpPr>
+      <p:grpSpPr>
+        <a:xfrm>
+          <a:off x="0" y="0"/>
+          <a:ext cx="0" cy="0"/>
+          <a:chOff x="0" y="0"/>
+          <a:chExt cx="0" cy="0"/>
+        </a:xfrm>
+      </p:grpSpPr>
+      <p:sp>
+        <p:nvSpPr>
+          <p:cNvPr id="5" name="Title 1"/>
+          <p:cNvSpPr>
+            <a:spLocks noGrp="1"/>
+          </p:cNvSpPr>
+          <p:nvPr>
+            <p:ph type="title"/>
+          </p:nvPr>
+        </p:nvSpPr>
+        <p:spPr>
+          <a:xfrm>
+            <a:off x="457200" y="457200"/>
+            <a:ext cx="8229600" cy="990600"/>
+          </a:xfrm>
+        </p:spPr>
+        <p:txBody>
+          <a:bodyPr>
+            <a:normAutofit/>
+          </a:bodyPr>
+          <a:lstStyle/>
+          <a:p>
+            <a:r>
+              <a:rPr lang="en-US" dirty="0" smtClean="0"/>
+              <a:t>Demonstration &amp; Questions. </a:t>
             </a:r>
             <a:endParaRPr lang="en-US" dirty="0"/>
           </a:p>
@@ -3551,11 +3629,7 @@
           <a:p>
             <a:r>
               <a:rPr lang="en-US" sz="2400" dirty="0" smtClean="0"/>
-              <a:t>Compensation for a particular career can vary dramatically based </a:t>
-            </a:r>
-            <a:r>
-              <a:rPr lang="en-US" sz="2400" dirty="0" smtClean="0"/>
-              <a:t>on your location.</a:t>
+              <a:t>Compensation for a particular career can vary dramatically based on your location.</a:t>
             </a:r>
             <a:endParaRPr lang="en-US" sz="2400" dirty="0"/>
           </a:p>
@@ -3662,15 +3736,7 @@
           <a:p>
             <a:r>
               <a:rPr lang="en-US" sz="2800" dirty="0" smtClean="0"/>
-              <a:t>BUT:	Cost of living also varies based </a:t>
-            </a:r>
-            <a:r>
-              <a:rPr lang="en-US" sz="2800" dirty="0" smtClean="0"/>
-              <a:t>on location</a:t>
-            </a:r>
-            <a:r>
-              <a:rPr lang="en-US" sz="2800" dirty="0" smtClean="0"/>
-              <a:t>! </a:t>
+              <a:t>BUT:	Cost of living also varies based on location! </a:t>
             </a:r>
             <a:endParaRPr lang="en-US" sz="2800" dirty="0"/>
           </a:p>
@@ -3790,7 +3856,11 @@
             </a:pPr>
             <a:r>
               <a:rPr lang="en-US" dirty="0" smtClean="0"/>
-              <a:t>Access and rank the most viable locations to start a career.</a:t>
+              <a:t>Assess </a:t>
+            </a:r>
+            <a:r>
+              <a:rPr lang="en-US" dirty="0" smtClean="0"/>
+              <a:t>and rank the most viable locations to start a career.</a:t>
             </a:r>
           </a:p>
           <a:p>
@@ -3807,7 +3877,55 @@
             </a:pPr>
             <a:r>
               <a:rPr lang="en-US" dirty="0" smtClean="0"/>
-              <a:t>Produce a list of available jobs that takes into account; Cost of Living, Employment Statistics.   </a:t>
+              <a:t>Produce a list of </a:t>
+            </a:r>
+            <a:r>
+              <a:rPr lang="en-US" dirty="0" smtClean="0"/>
+              <a:t>the best</a:t>
+            </a:r>
+            <a:r>
+              <a:rPr lang="en-US" dirty="0" smtClean="0"/>
+              <a:t> </a:t>
+            </a:r>
+            <a:r>
+              <a:rPr lang="en-US" dirty="0" smtClean="0"/>
+              <a:t>location</a:t>
+            </a:r>
+            <a:r>
+              <a:rPr lang="en-US" dirty="0" smtClean="0"/>
+              <a:t>s based on cost </a:t>
+            </a:r>
+            <a:r>
+              <a:rPr lang="en-US" dirty="0" smtClean="0"/>
+              <a:t>of </a:t>
+            </a:r>
+            <a:r>
+              <a:rPr lang="en-US" dirty="0" smtClean="0"/>
+              <a:t>li</a:t>
+            </a:r>
+            <a:r>
+              <a:rPr lang="en-US" dirty="0" smtClean="0"/>
+              <a:t>ving</a:t>
+            </a:r>
+            <a:r>
+              <a:rPr lang="en-US" dirty="0" smtClean="0"/>
+              <a:t> and</a:t>
+            </a:r>
+            <a:r>
+              <a:rPr lang="en-US" dirty="0" smtClean="0"/>
+              <a:t> </a:t>
+            </a:r>
+            <a:r>
+              <a:rPr lang="en-US" dirty="0" smtClean="0"/>
+              <a:t>e</a:t>
+            </a:r>
+            <a:r>
+              <a:rPr lang="en-US" dirty="0" smtClean="0"/>
+              <a:t>mployment statistics</a:t>
+            </a:r>
+            <a:r>
+              <a:rPr lang="en-US" dirty="0" smtClean="0"/>
+              <a:t>.   </a:t>
             </a:r>
           </a:p>
           <a:p>
@@ -3868,7 +3986,7 @@
     </p:spTree>
     <p:extLst>
       <p:ext uri="{BB962C8B-B14F-4D97-AF65-F5344CB8AC3E}">
-        <p14:creationId xmlns:p14="http://schemas.microsoft.com/office/powerpoint/2010/main" val="4194437570"/>
+        <p14:creationId xmlns:p14="http://schemas.microsoft.com/office/powerpoint/2010/main" xmlns="" val="4194437570"/>
       </p:ext>
     </p:extLst>
   </p:cSld>
@@ -4336,7 +4454,7 @@
         <p:spPr>
           <a:xfrm>
             <a:off x="397120" y="4951273"/>
-            <a:ext cx="8404865" cy="1477328"/>
+            <a:ext cx="8663590" cy="1477328"/>
           </a:xfrm>
           <a:prstGeom prst="rect">
             <a:avLst/>
@@ -4371,15 +4489,15 @@
             </a:pPr>
             <a:r>
               <a:rPr lang="en-US" dirty="0" smtClean="0"/>
-              <a:t>Occupational employment </a:t>
-            </a:r>
-            <a:r>
-              <a:rPr lang="en-US" dirty="0"/>
-              <a:t>S</a:t>
-            </a:r>
-            <a:r>
-              <a:rPr lang="en-US" dirty="0" smtClean="0"/>
-              <a:t>tatistic published by The US Department of Labor  </a:t>
+              <a:t>Occupational </a:t>
+            </a:r>
+            <a:r>
+              <a:rPr lang="en-US" dirty="0" smtClean="0"/>
+              <a:t>Employment Statistics </a:t>
+            </a:r>
+            <a:r>
+              <a:rPr lang="en-US" dirty="0" smtClean="0"/>
+              <a:t>published by The US Department of Labor  </a:t>
             </a:r>
           </a:p>
           <a:p>
@@ -4392,8 +4510,12 @@
               <a:t>Geographic location data published by </a:t>
             </a:r>
             <a:r>
+              <a:rPr lang="en-US" dirty="0" smtClean="0"/>
+              <a:t>the </a:t>
+            </a:r>
+            <a:r>
               <a:rPr lang="en-US" dirty="0" err="1" smtClean="0"/>
-              <a:t>theGeoNames</a:t>
+              <a:t>GeoNames</a:t>
             </a:r>
             <a:r>
               <a:rPr lang="en-US" dirty="0" smtClean="0"/>
@@ -4472,36 +4594,6 @@
           </a:p>
         </p:txBody>
       </p:sp>
-      <p:pic>
-        <p:nvPicPr>
-          <p:cNvPr id="7" name="Picture 6" descr="Screen Shot 2016-04-03 at 7.33.26 PM.png"/>
-          <p:cNvPicPr>
-            <a:picLocks noChangeAspect="1"/>
-          </p:cNvPicPr>
-          <p:nvPr/>
-        </p:nvPicPr>
-        <p:blipFill>
-          <a:blip r:embed="rId2">
-            <a:extLst>
-              <a:ext uri="{28A0092B-C50C-407E-A947-70E740481C1C}">
-                <a14:useLocalDpi xmlns:a14="http://schemas.microsoft.com/office/drawing/2010/main" val="0"/>
-              </a:ext>
-            </a:extLst>
-          </a:blip>
-          <a:stretch>
-            <a:fillRect/>
-          </a:stretch>
-        </p:blipFill>
-        <p:spPr>
-          <a:xfrm>
-            <a:off x="304800" y="1600200"/>
-            <a:ext cx="4572001" cy="4572000"/>
-          </a:xfrm>
-          <a:prstGeom prst="rect">
-            <a:avLst/>
-          </a:prstGeom>
-        </p:spPr>
-      </p:pic>
       <p:sp>
         <p:nvSpPr>
           <p:cNvPr id="8" name="TextBox 7"/>
@@ -4524,7 +4616,7 @@
           </a:bodyPr>
           <a:lstStyle/>
           <a:p>
-            <a:pPr marL="285750" indent="-285750">
+            <a:pPr marL="285750" indent="-285750" algn="just">
               <a:buFont typeface="Arial"/>
               <a:buChar char="•"/>
             </a:pPr>
@@ -4534,42 +4626,51 @@
             </a:r>
           </a:p>
           <a:p>
+            <a:pPr algn="just"/>
             <a:r>
               <a:rPr lang="en-US" dirty="0" smtClean="0"/>
               <a:t>Job title, category, and location.</a:t>
             </a:r>
           </a:p>
           <a:p>
-            <a:endParaRPr lang="en-US" dirty="0"/>
-          </a:p>
-          <a:p>
-            <a:pPr marL="285750" indent="-285750">
+            <a:pPr algn="just"/>
+            <a:endParaRPr lang="en-US" dirty="0" smtClean="0"/>
+          </a:p>
+          <a:p>
+            <a:pPr marL="285750" indent="-285750" algn="just">
               <a:buFont typeface="Arial"/>
               <a:buChar char="•"/>
             </a:pPr>
             <a:r>
               <a:rPr lang="en-US" dirty="0" smtClean="0"/>
-              <a:t>Application must use the </a:t>
+              <a:t>Application </a:t>
+            </a:r>
+            <a:r>
+              <a:rPr lang="en-US" dirty="0" smtClean="0"/>
+              <a:t>must use the </a:t>
             </a:r>
             <a:endParaRPr lang="en-US" dirty="0"/>
           </a:p>
           <a:p>
+            <a:pPr algn="just"/>
             <a:r>
               <a:rPr lang="en-US" dirty="0" smtClean="0"/>
               <a:t>Implemented datasets to list outputs</a:t>
             </a:r>
           </a:p>
           <a:p>
+            <a:pPr algn="just"/>
             <a:r>
               <a:rPr lang="en-US" dirty="0" smtClean="0"/>
               <a:t>of users inputs. </a:t>
             </a:r>
           </a:p>
           <a:p>
+            <a:pPr algn="just"/>
             <a:endParaRPr lang="en-US" dirty="0"/>
           </a:p>
           <a:p>
-            <a:pPr marL="285750" indent="-285750">
+            <a:pPr marL="285750" indent="-285750" algn="just">
               <a:buFont typeface="Arial"/>
               <a:buChar char="•"/>
             </a:pPr>
@@ -4579,6 +4680,7 @@
             </a:r>
           </a:p>
           <a:p>
+            <a:pPr algn="just"/>
             <a:r>
               <a:rPr lang="en-US" dirty="0" smtClean="0"/>
               <a:t>In an proper manner </a:t>
@@ -4589,6 +4691,38 @@
           </a:p>
         </p:txBody>
       </p:sp>
+      <p:pic>
+        <p:nvPicPr>
+          <p:cNvPr id="1026" name="Picture 2"/>
+          <p:cNvPicPr>
+            <a:picLocks noChangeAspect="1" noChangeArrowheads="1"/>
+          </p:cNvPicPr>
+          <p:nvPr/>
+        </p:nvPicPr>
+        <p:blipFill>
+          <a:blip r:embed="rId2" cstate="print"/>
+          <a:srcRect/>
+          <a:stretch>
+            <a:fillRect/>
+          </a:stretch>
+        </p:blipFill>
+        <p:spPr bwMode="auto">
+          <a:xfrm>
+            <a:off x="228600" y="1524000"/>
+            <a:ext cx="4933950" cy="4895850"/>
+          </a:xfrm>
+          <a:prstGeom prst="rect">
+            <a:avLst/>
+          </a:prstGeom>
+          <a:noFill/>
+          <a:ln w="9525">
+            <a:noFill/>
+            <a:miter lim="800000"/>
+            <a:headEnd/>
+            <a:tailEnd/>
+          </a:ln>
+        </p:spPr>
+      </p:pic>
     </p:spTree>
   </p:cSld>
   <p:clrMapOvr>
@@ -4718,7 +4852,7 @@
     </p:spTree>
     <p:extLst>
       <p:ext uri="{BB962C8B-B14F-4D97-AF65-F5344CB8AC3E}">
-        <p14:creationId xmlns:p14="http://schemas.microsoft.com/office/powerpoint/2010/main" val="1420393428"/>
+        <p14:creationId xmlns:p14="http://schemas.microsoft.com/office/powerpoint/2010/main" xmlns="" val="1420393428"/>
       </p:ext>
     </p:extLst>
   </p:cSld>
@@ -4747,29 +4881,207 @@
       </p:grpSpPr>
       <p:sp>
         <p:nvSpPr>
-          <p:cNvPr id="5" name="Title 1"/>
+          <p:cNvPr id="2" name="Title 1"/>
           <p:cNvSpPr>
             <a:spLocks noGrp="1"/>
           </p:cNvSpPr>
           <p:nvPr>
             <p:ph type="title"/>
+          </p:nvPr>
+        </p:nvSpPr>
+        <p:spPr/>
+        <p:txBody>
+          <a:bodyPr/>
+          <a:lstStyle/>
+          <a:p>
+            <a:r>
+              <a:rPr lang="en-US" dirty="0" smtClean="0"/>
+              <a:t>Algorithmic Challenges</a:t>
+            </a:r>
+            <a:endParaRPr lang="en-US" dirty="0"/>
+          </a:p>
+        </p:txBody>
+      </p:sp>
+      <p:sp>
+        <p:nvSpPr>
+          <p:cNvPr id="3" name="Content Placeholder 2"/>
+          <p:cNvSpPr>
+            <a:spLocks noGrp="1"/>
+          </p:cNvSpPr>
+          <p:nvPr>
+            <p:ph idx="1"/>
+          </p:nvPr>
+        </p:nvSpPr>
+        <p:spPr/>
+        <p:txBody>
+          <a:bodyPr>
+            <a:normAutofit fontScale="92500"/>
+          </a:bodyPr>
+          <a:lstStyle/>
+          <a:p>
+            <a:r>
+              <a:rPr lang="en-US" dirty="0" smtClean="0"/>
+              <a:t>Sorting and searching algorithms were used to navigate the loaded data sets</a:t>
+            </a:r>
+          </a:p>
+          <a:p>
+            <a:endParaRPr lang="en-US" dirty="0" smtClean="0"/>
+          </a:p>
+          <a:p>
+            <a:r>
+              <a:rPr lang="en-US" dirty="0" smtClean="0"/>
+              <a:t>A graph was used to represent paths between cities:</a:t>
+            </a:r>
+          </a:p>
+          <a:p>
+            <a:pPr>
+              <a:buNone/>
+            </a:pPr>
+            <a:r>
+              <a:rPr lang="en-US" dirty="0" smtClean="0"/>
+              <a:t>	</a:t>
+            </a:r>
+            <a:r>
+              <a:rPr lang="en-US" dirty="0" smtClean="0"/>
+              <a:t>	nodes = cities</a:t>
+            </a:r>
+          </a:p>
+          <a:p>
+            <a:pPr>
+              <a:buNone/>
+            </a:pPr>
+            <a:r>
+              <a:rPr lang="en-US" dirty="0" smtClean="0"/>
+              <a:t>	</a:t>
+            </a:r>
+            <a:r>
+              <a:rPr lang="en-US" dirty="0" smtClean="0"/>
+              <a:t>	edges = paths between cities, weighted for distance</a:t>
+            </a:r>
+          </a:p>
+          <a:p>
+            <a:pPr>
+              <a:buNone/>
+            </a:pPr>
+            <a:endParaRPr lang="en-US" dirty="0" smtClean="0"/>
+          </a:p>
+          <a:p>
+            <a:r>
+              <a:rPr lang="en-US" dirty="0" smtClean="0"/>
+              <a:t>The main challenge was creating a graph of connections between cities:  needed to keep edge count “reasonable”</a:t>
+            </a:r>
+          </a:p>
+          <a:p>
+            <a:endParaRPr lang="en-US" dirty="0" smtClean="0"/>
+          </a:p>
+          <a:p>
+            <a:r>
+              <a:rPr lang="en-US" dirty="0" smtClean="0"/>
+              <a:t>Solution:  connect all major cities within 800 km of </a:t>
+            </a:r>
+            <a:r>
+              <a:rPr lang="en-US" dirty="0" err="1" smtClean="0"/>
+              <a:t>eachother</a:t>
+            </a:r>
+            <a:r>
+              <a:rPr lang="en-US" dirty="0" smtClean="0"/>
+              <a:t>, then for each major city connect all small cities within 200 km</a:t>
+            </a:r>
+            <a:endParaRPr lang="en-US" dirty="0"/>
+          </a:p>
+        </p:txBody>
+      </p:sp>
+    </p:spTree>
+  </p:cSld>
+  <p:clrMapOvr>
+    <a:masterClrMapping/>
+  </p:clrMapOvr>
+</p:sld>
+</file>
+
+<file path=ppt/slides/slide9.xml><?xml version="1.0" encoding="utf-8"?>
+<p:sld xmlns:a="http://schemas.openxmlformats.org/drawingml/2006/main" xmlns:r="http://schemas.openxmlformats.org/officeDocument/2006/relationships" xmlns:p="http://schemas.openxmlformats.org/presentationml/2006/main">
+  <p:cSld>
+    <p:spTree>
+      <p:nvGrpSpPr>
+        <p:cNvPr id="1" name=""/>
+        <p:cNvGrpSpPr/>
+        <p:nvPr/>
+      </p:nvGrpSpPr>
+      <p:grpSpPr>
+        <a:xfrm>
+          <a:off x="0" y="0"/>
+          <a:ext cx="0" cy="0"/>
+          <a:chOff x="0" y="0"/>
+          <a:chExt cx="0" cy="0"/>
+        </a:xfrm>
+      </p:grpSpPr>
+      <p:sp>
+        <p:nvSpPr>
+          <p:cNvPr id="2" name="Title 1"/>
+          <p:cNvSpPr>
+            <a:spLocks noGrp="1"/>
+          </p:cNvSpPr>
+          <p:nvPr>
+            <p:ph type="title"/>
+          </p:nvPr>
+        </p:nvSpPr>
+        <p:spPr/>
+        <p:txBody>
+          <a:bodyPr/>
+          <a:lstStyle/>
+          <a:p>
+            <a:r>
+              <a:rPr lang="en-US" dirty="0" smtClean="0"/>
+              <a:t>Verification &amp; Validation Methods</a:t>
+            </a:r>
+            <a:endParaRPr lang="en-US" dirty="0"/>
+          </a:p>
+        </p:txBody>
+      </p:sp>
+      <p:sp>
+        <p:nvSpPr>
+          <p:cNvPr id="3" name="Content Placeholder 2"/>
+          <p:cNvSpPr>
+            <a:spLocks noGrp="1"/>
+          </p:cNvSpPr>
+          <p:nvPr>
+            <p:ph idx="1"/>
           </p:nvPr>
         </p:nvSpPr>
         <p:spPr>
           <a:xfrm>
-            <a:off x="457200" y="457200"/>
-            <a:ext cx="8229600" cy="990600"/>
+            <a:off x="457200" y="2133600"/>
+            <a:ext cx="8229600" cy="4876800"/>
           </a:xfrm>
         </p:spPr>
         <p:txBody>
-          <a:bodyPr>
-            <a:normAutofit/>
-          </a:bodyPr>
-          <a:lstStyle/>
-          <a:p>
-            <a:r>
-              <a:rPr lang="en-US" dirty="0" smtClean="0"/>
-              <a:t>Demonstration &amp; Questions. </a:t>
+          <a:bodyPr/>
+          <a:lstStyle/>
+          <a:p>
+            <a:r>
+              <a:rPr lang="en-US" dirty="0" smtClean="0"/>
+              <a:t>The correctness of the data loaders/structures and the analysis methods were verified using </a:t>
+            </a:r>
+            <a:r>
+              <a:rPr lang="en-US" dirty="0" err="1" smtClean="0"/>
+              <a:t>JUnit</a:t>
+            </a:r>
+            <a:r>
+              <a:rPr lang="en-US" dirty="0" smtClean="0"/>
+              <a:t> test cases</a:t>
+            </a:r>
+          </a:p>
+          <a:p>
+            <a:endParaRPr lang="en-US" dirty="0" smtClean="0"/>
+          </a:p>
+          <a:p>
+            <a:endParaRPr lang="en-US" dirty="0" smtClean="0"/>
+          </a:p>
+          <a:p>
+            <a:r>
+              <a:rPr lang="en-US" dirty="0" smtClean="0"/>
+              <a:t>Manual testing was also carried out throughout the implementation process to ensure that the application functioned properly </a:t>
             </a:r>
             <a:endParaRPr lang="en-US" dirty="0"/>
           </a:p>
